--- a/retailio-elt/Retailio_ETL_10_Slide_Deck.pptx
+++ b/retailio-elt/Retailio_ETL_10_Slide_Deck.pptx
@@ -130,6 +130,59 @@
     </p:ext>
   </p:extLst>
 </p:presentation>
+</file>
+
+<file path=ppt/revisionInfo.xml><?xml version="1.0" encoding="utf-8"?>
+<p1510:revInfo xmlns:a="http://schemas.openxmlformats.org/drawingml/2006/main" xmlns:r="http://schemas.openxmlformats.org/officeDocument/2006/relationships" xmlns:p1510="http://schemas.microsoft.com/office/powerpoint/2015/10/main">
+  <p1510:revLst>
+    <p1510:client id="{2C8C0767-EBA7-4CCD-9729-151E647CB4BE}" v="85" dt="2025-11-19T01:02:42.836"/>
+  </p1510:revLst>
+</p1510:revInfo>
+</file>
+
+<file path=ppt/changesInfos/changesInfo1.xml><?xml version="1.0" encoding="utf-8"?>
+<pc:chgInfo xmlns:a="http://schemas.openxmlformats.org/drawingml/2006/main" xmlns:r="http://schemas.openxmlformats.org/officeDocument/2006/relationships" xmlns:ac="http://schemas.microsoft.com/office/drawing/2013/main/command" xmlns:pc="http://schemas.microsoft.com/office/powerpoint/2013/main/command">
+  <pc:docChgLst>
+    <pc:chgData name="Nadia Mudassar" userId="4d7cb656e63be6be" providerId="LiveId" clId="{BA122AEC-06AF-4341-8D4A-90D2AA759F5D}"/>
+    <pc:docChg chg="custSel modSld">
+      <pc:chgData name="Nadia Mudassar" userId="4d7cb656e63be6be" providerId="LiveId" clId="{BA122AEC-06AF-4341-8D4A-90D2AA759F5D}" dt="2025-11-19T01:02:57.440" v="96" actId="27636"/>
+      <pc:docMkLst>
+        <pc:docMk/>
+      </pc:docMkLst>
+      <pc:sldChg chg="modSp mod">
+        <pc:chgData name="Nadia Mudassar" userId="4d7cb656e63be6be" providerId="LiveId" clId="{BA122AEC-06AF-4341-8D4A-90D2AA759F5D}" dt="2025-11-19T01:02:57.440" v="96" actId="27636"/>
+        <pc:sldMkLst>
+          <pc:docMk/>
+          <pc:sldMk cId="0" sldId="256"/>
+        </pc:sldMkLst>
+        <pc:spChg chg="mod">
+          <ac:chgData name="Nadia Mudassar" userId="4d7cb656e63be6be" providerId="LiveId" clId="{BA122AEC-06AF-4341-8D4A-90D2AA759F5D}" dt="2025-11-19T01:02:57.440" v="96" actId="27636"/>
+          <ac:spMkLst>
+            <pc:docMk/>
+            <pc:sldMk cId="0" sldId="256"/>
+            <ac:spMk id="2" creationId="{00000000-0000-0000-0000-000000000000}"/>
+          </ac:spMkLst>
+        </pc:spChg>
+        <pc:spChg chg="mod">
+          <ac:chgData name="Nadia Mudassar" userId="4d7cb656e63be6be" providerId="LiveId" clId="{BA122AEC-06AF-4341-8D4A-90D2AA759F5D}" dt="2025-11-19T01:00:53.864" v="1" actId="14100"/>
+          <ac:spMkLst>
+            <pc:docMk/>
+            <pc:sldMk cId="0" sldId="256"/>
+            <ac:spMk id="3" creationId="{00000000-0000-0000-0000-000000000000}"/>
+          </ac:spMkLst>
+        </pc:spChg>
+        <pc:picChg chg="mod">
+          <ac:chgData name="Nadia Mudassar" userId="4d7cb656e63be6be" providerId="LiveId" clId="{BA122AEC-06AF-4341-8D4A-90D2AA759F5D}" dt="2025-11-19T01:02:51.120" v="93" actId="1076"/>
+          <ac:picMkLst>
+            <pc:docMk/>
+            <pc:sldMk cId="0" sldId="256"/>
+            <ac:picMk id="7" creationId="{E63F5D15-A497-F628-BA1C-9B1FC2DCC155}"/>
+          </ac:picMkLst>
+        </pc:picChg>
+      </pc:sldChg>
+    </pc:docChg>
+  </pc:docChgLst>
+</pc:chgInfo>
 </file>
 
 <file path=ppt/slideLayouts/slideLayout1.xml><?xml version="1.0" encoding="utf-8"?>
@@ -3242,8 +3295,8 @@
         </p:nvSpPr>
         <p:spPr>
           <a:xfrm>
-            <a:off x="4942996" y="4267832"/>
-            <a:ext cx="3604497" cy="1297115"/>
+            <a:off x="1692757" y="3407229"/>
+            <a:ext cx="6863414" cy="2536371"/>
           </a:xfrm>
         </p:spPr>
         <p:txBody>
@@ -3269,6 +3322,66 @@
               </a:rPr>
               <a:t> ETL Pipeline</a:t>
             </a:r>
+            <a:br>
+              <a:rPr lang="en-GB" sz="3500" dirty="0">
+                <a:solidFill>
+                  <a:schemeClr val="tx2"/>
+                </a:solidFill>
+              </a:rPr>
+            </a:br>
+            <a:br>
+              <a:rPr lang="en-GB" sz="3500" dirty="0">
+                <a:solidFill>
+                  <a:schemeClr val="tx2"/>
+                </a:solidFill>
+              </a:rPr>
+            </a:br>
+            <a:r>
+              <a:rPr lang="en-GB" sz="2200" dirty="0">
+                <a:solidFill>
+                  <a:schemeClr val="tx2"/>
+                </a:solidFill>
+              </a:rPr>
+              <a:t>by:  Nadia Mudassar</a:t>
+            </a:r>
+            <a:br>
+              <a:rPr lang="en-GB" sz="2200" dirty="0">
+                <a:solidFill>
+                  <a:schemeClr val="tx2"/>
+                </a:solidFill>
+              </a:rPr>
+            </a:br>
+            <a:r>
+              <a:rPr lang="en-GB" sz="2200" dirty="0">
+                <a:solidFill>
+                  <a:schemeClr val="tx2"/>
+                </a:solidFill>
+              </a:rPr>
+              <a:t> Data engineer consultant at AMDARI </a:t>
+            </a:r>
+            <a:br>
+              <a:rPr lang="en-GB" sz="2200" dirty="0">
+                <a:solidFill>
+                  <a:schemeClr val="tx2"/>
+                </a:solidFill>
+              </a:rPr>
+            </a:br>
+            <a:r>
+              <a:rPr lang="en-GB" sz="2200" dirty="0">
+                <a:solidFill>
+                  <a:schemeClr val="tx2"/>
+                </a:solidFill>
+              </a:rPr>
+              <a:t> </a:t>
+            </a:r>
+            <a:r>
+              <a:rPr lang="en-GB" sz="1800" dirty="0">
+                <a:solidFill>
+                  <a:schemeClr val="tx2"/>
+                </a:solidFill>
+              </a:rPr>
+              <a:t>https://github.com/Nmudassar/ETL_Projects/tree/main/retailio-elt</a:t>
+            </a:r>
           </a:p>
         </p:txBody>
       </p:sp>
@@ -3284,8 +3397,8 @@
         </p:nvSpPr>
         <p:spPr>
           <a:xfrm>
-            <a:off x="4943224" y="3428999"/>
-            <a:ext cx="3604268" cy="838831"/>
+            <a:off x="3755572" y="2333041"/>
+            <a:ext cx="4521522" cy="647714"/>
           </a:xfrm>
         </p:spPr>
         <p:txBody>
@@ -3366,7 +3479,7 @@
         </p:blipFill>
         <p:spPr>
           <a:xfrm>
-            <a:off x="255352" y="2333040"/>
+            <a:off x="-217425" y="504240"/>
             <a:ext cx="3106320" cy="3106320"/>
           </a:xfrm>
           <a:custGeom>
